--- a/Raspberry Pi programs/app_icons/setting_cell_icons.pptx
+++ b/Raspberry Pi programs/app_icons/setting_cell_icons.pptx
@@ -4319,190 +4319,6 @@
       </p:grpSpPr>
       <p:sp>
         <p:nvSpPr>
-          <p:cNvPr id="4" name="Rectangle 3">
-            <a:extLst>
-              <a:ext uri="{FF2B5EF4-FFF2-40B4-BE49-F238E27FC236}">
-                <a16:creationId xmlns:a16="http://schemas.microsoft.com/office/drawing/2014/main" id="{57279BA0-4A3F-4FDE-8962-CF222B386DA9}"/>
-              </a:ext>
-            </a:extLst>
-          </p:cNvPr>
-          <p:cNvSpPr/>
-          <p:nvPr/>
-        </p:nvSpPr>
-        <p:spPr>
-          <a:xfrm>
-            <a:off x="0" y="0"/>
-            <a:ext cx="3600000" cy="46799500"/>
-          </a:xfrm>
-          <a:prstGeom prst="rect">
-            <a:avLst/>
-          </a:prstGeom>
-        </p:spPr>
-        <p:style>
-          <a:lnRef idx="2">
-            <a:schemeClr val="accent1">
-              <a:shade val="50000"/>
-            </a:schemeClr>
-          </a:lnRef>
-          <a:fillRef idx="1">
-            <a:schemeClr val="accent1"/>
-          </a:fillRef>
-          <a:effectRef idx="0">
-            <a:schemeClr val="accent1"/>
-          </a:effectRef>
-          <a:fontRef idx="minor">
-            <a:schemeClr val="lt1"/>
-          </a:fontRef>
-        </p:style>
-        <p:txBody>
-          <a:bodyPr rtlCol="0" anchor="ctr"/>
-          <a:lstStyle/>
-          <a:p>
-            <a:pPr algn="ctr"/>
-            <a:endParaRPr lang="en-GB"/>
-          </a:p>
-        </p:txBody>
-      </p:sp>
-      <p:sp>
-        <p:nvSpPr>
-          <p:cNvPr id="5" name="Rectangle 4">
-            <a:extLst>
-              <a:ext uri="{FF2B5EF4-FFF2-40B4-BE49-F238E27FC236}">
-                <a16:creationId xmlns:a16="http://schemas.microsoft.com/office/drawing/2014/main" id="{E630EDE2-E0E2-4859-973C-825DB1477E43}"/>
-              </a:ext>
-            </a:extLst>
-          </p:cNvPr>
-          <p:cNvSpPr/>
-          <p:nvPr/>
-        </p:nvSpPr>
-        <p:spPr>
-          <a:xfrm>
-            <a:off x="43199500" y="0"/>
-            <a:ext cx="3600000" cy="46799500"/>
-          </a:xfrm>
-          <a:prstGeom prst="rect">
-            <a:avLst/>
-          </a:prstGeom>
-        </p:spPr>
-        <p:style>
-          <a:lnRef idx="2">
-            <a:schemeClr val="accent1">
-              <a:shade val="50000"/>
-            </a:schemeClr>
-          </a:lnRef>
-          <a:fillRef idx="1">
-            <a:schemeClr val="accent1"/>
-          </a:fillRef>
-          <a:effectRef idx="0">
-            <a:schemeClr val="accent1"/>
-          </a:effectRef>
-          <a:fontRef idx="minor">
-            <a:schemeClr val="lt1"/>
-          </a:fontRef>
-        </p:style>
-        <p:txBody>
-          <a:bodyPr rtlCol="0" anchor="ctr"/>
-          <a:lstStyle/>
-          <a:p>
-            <a:pPr algn="ctr"/>
-            <a:endParaRPr lang="en-GB"/>
-          </a:p>
-        </p:txBody>
-      </p:sp>
-      <p:sp>
-        <p:nvSpPr>
-          <p:cNvPr id="6" name="Rectangle 5">
-            <a:extLst>
-              <a:ext uri="{FF2B5EF4-FFF2-40B4-BE49-F238E27FC236}">
-                <a16:creationId xmlns:a16="http://schemas.microsoft.com/office/drawing/2014/main" id="{E90624B1-39E7-4039-B97B-FC0D5D33AF92}"/>
-              </a:ext>
-            </a:extLst>
-          </p:cNvPr>
-          <p:cNvSpPr/>
-          <p:nvPr/>
-        </p:nvSpPr>
-        <p:spPr>
-          <a:xfrm>
-            <a:off x="0" y="0"/>
-            <a:ext cx="46799500" cy="3600000"/>
-          </a:xfrm>
-          <a:prstGeom prst="rect">
-            <a:avLst/>
-          </a:prstGeom>
-        </p:spPr>
-        <p:style>
-          <a:lnRef idx="2">
-            <a:schemeClr val="accent1">
-              <a:shade val="50000"/>
-            </a:schemeClr>
-          </a:lnRef>
-          <a:fillRef idx="1">
-            <a:schemeClr val="accent1"/>
-          </a:fillRef>
-          <a:effectRef idx="0">
-            <a:schemeClr val="accent1"/>
-          </a:effectRef>
-          <a:fontRef idx="minor">
-            <a:schemeClr val="lt1"/>
-          </a:fontRef>
-        </p:style>
-        <p:txBody>
-          <a:bodyPr rtlCol="0" anchor="ctr"/>
-          <a:lstStyle/>
-          <a:p>
-            <a:pPr algn="ctr"/>
-            <a:endParaRPr lang="en-GB"/>
-          </a:p>
-        </p:txBody>
-      </p:sp>
-      <p:sp>
-        <p:nvSpPr>
-          <p:cNvPr id="7" name="Rectangle 6">
-            <a:extLst>
-              <a:ext uri="{FF2B5EF4-FFF2-40B4-BE49-F238E27FC236}">
-                <a16:creationId xmlns:a16="http://schemas.microsoft.com/office/drawing/2014/main" id="{E75E5C21-3C9E-40C8-85F7-3B6472B22853}"/>
-              </a:ext>
-            </a:extLst>
-          </p:cNvPr>
-          <p:cNvSpPr/>
-          <p:nvPr/>
-        </p:nvSpPr>
-        <p:spPr>
-          <a:xfrm>
-            <a:off x="0" y="43199500"/>
-            <a:ext cx="46799500" cy="3600000"/>
-          </a:xfrm>
-          <a:prstGeom prst="rect">
-            <a:avLst/>
-          </a:prstGeom>
-        </p:spPr>
-        <p:style>
-          <a:lnRef idx="2">
-            <a:schemeClr val="accent1">
-              <a:shade val="50000"/>
-            </a:schemeClr>
-          </a:lnRef>
-          <a:fillRef idx="1">
-            <a:schemeClr val="accent1"/>
-          </a:fillRef>
-          <a:effectRef idx="0">
-            <a:schemeClr val="accent1"/>
-          </a:effectRef>
-          <a:fontRef idx="minor">
-            <a:schemeClr val="lt1"/>
-          </a:fontRef>
-        </p:style>
-        <p:txBody>
-          <a:bodyPr rtlCol="0" anchor="ctr"/>
-          <a:lstStyle/>
-          <a:p>
-            <a:pPr algn="ctr"/>
-            <a:endParaRPr lang="en-GB"/>
-          </a:p>
-        </p:txBody>
-      </p:sp>
-      <p:sp>
-        <p:nvSpPr>
           <p:cNvPr id="9" name="TextBox 8">
             <a:extLst>
               <a:ext uri="{FF2B5EF4-FFF2-40B4-BE49-F238E27FC236}">
@@ -4515,8 +4331,8 @@
         </p:nvSpPr>
         <p:spPr>
           <a:xfrm>
-            <a:off x="3600000" y="3600000"/>
-            <a:ext cx="39599500" cy="12849671"/>
+            <a:off x="0" y="0"/>
+            <a:ext cx="46799500" cy="18466594"/>
           </a:xfrm>
           <a:prstGeom prst="rect">
             <a:avLst/>
@@ -4530,7 +4346,7 @@
           <a:lstStyle/>
           <a:p>
             <a:r>
-              <a:rPr lang="en-GB" sz="82900" u="sng" dirty="0">
+              <a:rPr lang="en-GB" sz="119400" u="sng" dirty="0">
                 <a:solidFill>
                   <a:schemeClr val="bg1"/>
                 </a:solidFill>
@@ -4613,10 +4429,10 @@
       </p:grpSpPr>
       <p:sp>
         <p:nvSpPr>
-          <p:cNvPr id="2" name="TextBox 1">
+          <p:cNvPr id="3" name="TextBox 2">
             <a:extLst>
               <a:ext uri="{FF2B5EF4-FFF2-40B4-BE49-F238E27FC236}">
-                <a16:creationId xmlns:a16="http://schemas.microsoft.com/office/drawing/2014/main" id="{65881C29-D269-4979-99B4-CFAC867C5DB4}"/>
+                <a16:creationId xmlns:a16="http://schemas.microsoft.com/office/drawing/2014/main" id="{F6152440-9D04-4400-BC55-89BF9CE31A02}"/>
               </a:ext>
             </a:extLst>
           </p:cNvPr>
@@ -4625,8 +4441,8 @@
         </p:nvSpPr>
         <p:spPr>
           <a:xfrm>
-            <a:off x="3600000" y="3600000"/>
-            <a:ext cx="39599500" cy="12849671"/>
+            <a:off x="0" y="0"/>
+            <a:ext cx="46799500" cy="15404217"/>
           </a:xfrm>
           <a:prstGeom prst="rect">
             <a:avLst/>
@@ -4640,7 +4456,7 @@
           <a:lstStyle/>
           <a:p>
             <a:r>
-              <a:rPr lang="en-GB" sz="82900" u="sng" dirty="0">
+              <a:rPr lang="en-GB" sz="99500" u="sng" dirty="0">
                 <a:solidFill>
                   <a:schemeClr val="bg1"/>
                 </a:solidFill>
@@ -4683,10 +4499,10 @@
       </p:grpSpPr>
       <p:sp>
         <p:nvSpPr>
-          <p:cNvPr id="2" name="TextBox 1">
+          <p:cNvPr id="3" name="TextBox 2">
             <a:extLst>
               <a:ext uri="{FF2B5EF4-FFF2-40B4-BE49-F238E27FC236}">
-                <a16:creationId xmlns:a16="http://schemas.microsoft.com/office/drawing/2014/main" id="{65881C29-D269-4979-99B4-CFAC867C5DB4}"/>
+                <a16:creationId xmlns:a16="http://schemas.microsoft.com/office/drawing/2014/main" id="{FB8CA170-B7D8-4389-BF61-1BE5FC8B48ED}"/>
               </a:ext>
             </a:extLst>
           </p:cNvPr>
@@ -4695,8 +4511,8 @@
         </p:nvSpPr>
         <p:spPr>
           <a:xfrm>
-            <a:off x="3600000" y="3600000"/>
-            <a:ext cx="39599500" cy="12849671"/>
+            <a:off x="0" y="0"/>
+            <a:ext cx="46799500" cy="15404217"/>
           </a:xfrm>
           <a:prstGeom prst="rect">
             <a:avLst/>
@@ -4710,7 +4526,7 @@
           <a:lstStyle/>
           <a:p>
             <a:r>
-              <a:rPr lang="en-GB" sz="82900" u="sng" dirty="0" err="1">
+              <a:rPr lang="en-GB" sz="99500" u="sng" dirty="0" err="1">
                 <a:solidFill>
                   <a:schemeClr val="bg1"/>
                 </a:solidFill>
@@ -4719,7 +4535,7 @@
               <a:t>Img</a:t>
             </a:r>
             <a:r>
-              <a:rPr lang="en-GB" sz="82900" u="sng" dirty="0">
+              <a:rPr lang="en-GB" sz="99500" u="sng" dirty="0">
                 <a:solidFill>
                   <a:schemeClr val="bg1"/>
                 </a:solidFill>
@@ -4762,10 +4578,10 @@
       </p:grpSpPr>
       <p:sp>
         <p:nvSpPr>
-          <p:cNvPr id="2" name="TextBox 1">
+          <p:cNvPr id="3" name="TextBox 2">
             <a:extLst>
               <a:ext uri="{FF2B5EF4-FFF2-40B4-BE49-F238E27FC236}">
-                <a16:creationId xmlns:a16="http://schemas.microsoft.com/office/drawing/2014/main" id="{65881C29-D269-4979-99B4-CFAC867C5DB4}"/>
+                <a16:creationId xmlns:a16="http://schemas.microsoft.com/office/drawing/2014/main" id="{AE7CE890-FC74-402E-B32F-693E11D79233}"/>
               </a:ext>
             </a:extLst>
           </p:cNvPr>
@@ -4774,8 +4590,8 @@
         </p:nvSpPr>
         <p:spPr>
           <a:xfrm>
-            <a:off x="3600000" y="3600000"/>
-            <a:ext cx="39599500" cy="12849671"/>
+            <a:off x="0" y="0"/>
+            <a:ext cx="46799500" cy="15404217"/>
           </a:xfrm>
           <a:prstGeom prst="rect">
             <a:avLst/>
@@ -4789,7 +4605,7 @@
           <a:lstStyle/>
           <a:p>
             <a:r>
-              <a:rPr lang="en-GB" sz="82900" u="sng" dirty="0">
+              <a:rPr lang="en-GB" sz="99500" u="sng" dirty="0">
                 <a:solidFill>
                   <a:schemeClr val="bg1"/>
                 </a:solidFill>
@@ -4832,10 +4648,10 @@
       </p:grpSpPr>
       <p:sp>
         <p:nvSpPr>
-          <p:cNvPr id="2" name="TextBox 1">
+          <p:cNvPr id="3" name="TextBox 2">
             <a:extLst>
               <a:ext uri="{FF2B5EF4-FFF2-40B4-BE49-F238E27FC236}">
-                <a16:creationId xmlns:a16="http://schemas.microsoft.com/office/drawing/2014/main" id="{65881C29-D269-4979-99B4-CFAC867C5DB4}"/>
+                <a16:creationId xmlns:a16="http://schemas.microsoft.com/office/drawing/2014/main" id="{FC408FD6-8628-4479-9809-AF0D90536930}"/>
               </a:ext>
             </a:extLst>
           </p:cNvPr>
@@ -4844,8 +4660,8 @@
         </p:nvSpPr>
         <p:spPr>
           <a:xfrm>
-            <a:off x="3600000" y="3600000"/>
-            <a:ext cx="39599500" cy="12849671"/>
+            <a:off x="0" y="0"/>
+            <a:ext cx="46799500" cy="15404217"/>
           </a:xfrm>
           <a:prstGeom prst="rect">
             <a:avLst/>
@@ -4859,7 +4675,7 @@
           <a:lstStyle/>
           <a:p>
             <a:r>
-              <a:rPr lang="en-GB" sz="82900" u="sng" dirty="0">
+              <a:rPr lang="en-GB" sz="99500" u="sng" dirty="0">
                 <a:solidFill>
                   <a:schemeClr val="bg1"/>
                 </a:solidFill>
@@ -4902,10 +4718,10 @@
       </p:grpSpPr>
       <p:sp>
         <p:nvSpPr>
-          <p:cNvPr id="2" name="TextBox 1">
+          <p:cNvPr id="3" name="TextBox 2">
             <a:extLst>
               <a:ext uri="{FF2B5EF4-FFF2-40B4-BE49-F238E27FC236}">
-                <a16:creationId xmlns:a16="http://schemas.microsoft.com/office/drawing/2014/main" id="{65881C29-D269-4979-99B4-CFAC867C5DB4}"/>
+                <a16:creationId xmlns:a16="http://schemas.microsoft.com/office/drawing/2014/main" id="{DB982D8A-2708-4C48-8F69-3C141C56CF0A}"/>
               </a:ext>
             </a:extLst>
           </p:cNvPr>
@@ -4914,8 +4730,8 @@
         </p:nvSpPr>
         <p:spPr>
           <a:xfrm>
-            <a:off x="3600000" y="3600000"/>
-            <a:ext cx="39599500" cy="12849671"/>
+            <a:off x="0" y="0"/>
+            <a:ext cx="46799500" cy="15404217"/>
           </a:xfrm>
           <a:prstGeom prst="rect">
             <a:avLst/>
@@ -4929,7 +4745,7 @@
           <a:lstStyle/>
           <a:p>
             <a:r>
-              <a:rPr lang="en-GB" sz="82900" u="sng" dirty="0">
+              <a:rPr lang="en-GB" sz="99500" u="sng" dirty="0">
                 <a:solidFill>
                   <a:schemeClr val="bg1"/>
                 </a:solidFill>
@@ -7403,10 +7219,10 @@
       </p:grpSpPr>
       <p:sp>
         <p:nvSpPr>
-          <p:cNvPr id="2" name="TextBox 1">
+          <p:cNvPr id="4" name="TextBox 3">
             <a:extLst>
               <a:ext uri="{FF2B5EF4-FFF2-40B4-BE49-F238E27FC236}">
-                <a16:creationId xmlns:a16="http://schemas.microsoft.com/office/drawing/2014/main" id="{65881C29-D269-4979-99B4-CFAC867C5DB4}"/>
+                <a16:creationId xmlns:a16="http://schemas.microsoft.com/office/drawing/2014/main" id="{C20865D0-152C-4C9D-A2D5-9584EFC9241C}"/>
               </a:ext>
             </a:extLst>
           </p:cNvPr>
@@ -7415,8 +7231,8 @@
         </p:nvSpPr>
         <p:spPr>
           <a:xfrm>
-            <a:off x="3600000" y="3600000"/>
-            <a:ext cx="39599500" cy="12849671"/>
+            <a:off x="0" y="0"/>
+            <a:ext cx="46799500" cy="15404217"/>
           </a:xfrm>
           <a:prstGeom prst="rect">
             <a:avLst/>
@@ -7430,7 +7246,7 @@
           <a:lstStyle/>
           <a:p>
             <a:r>
-              <a:rPr lang="en-GB" sz="82900" u="sng" dirty="0">
+              <a:rPr lang="en-GB" sz="99500" u="sng" dirty="0">
                 <a:solidFill>
                   <a:schemeClr val="bg1"/>
                 </a:solidFill>
@@ -7473,10 +7289,10 @@
       </p:grpSpPr>
       <p:sp>
         <p:nvSpPr>
-          <p:cNvPr id="2" name="TextBox 1">
+          <p:cNvPr id="3" name="TextBox 2">
             <a:extLst>
               <a:ext uri="{FF2B5EF4-FFF2-40B4-BE49-F238E27FC236}">
-                <a16:creationId xmlns:a16="http://schemas.microsoft.com/office/drawing/2014/main" id="{65881C29-D269-4979-99B4-CFAC867C5DB4}"/>
+                <a16:creationId xmlns:a16="http://schemas.microsoft.com/office/drawing/2014/main" id="{38792E1D-91E1-4C8C-8195-A9FC01BF86BC}"/>
               </a:ext>
             </a:extLst>
           </p:cNvPr>
@@ -7485,8 +7301,8 @@
         </p:nvSpPr>
         <p:spPr>
           <a:xfrm>
-            <a:off x="3600000" y="3600000"/>
-            <a:ext cx="39599500" cy="12865060"/>
+            <a:off x="0" y="0"/>
+            <a:ext cx="46799500" cy="18435816"/>
           </a:xfrm>
           <a:prstGeom prst="rect">
             <a:avLst/>
@@ -7500,25 +7316,27 @@
           <a:lstStyle/>
           <a:p>
             <a:r>
-              <a:rPr lang="en-GB" sz="41500" u="sng" dirty="0">
+              <a:rPr lang="en-GB" sz="59600" u="sng" dirty="0">
                 <a:solidFill>
-                  <a:schemeClr val="bg1"/>
+                  <a:srgbClr val="FFFFFF"/>
                 </a:solidFill>
                 <a:latin typeface="Futura New Bold" panose="020B0902020204020203" pitchFamily="34" charset="0"/>
               </a:rPr>
               <a:t>Active </a:t>
             </a:r>
+            <a:endParaRPr lang="en-GB" sz="59600" dirty="0"/>
           </a:p>
           <a:p>
             <a:r>
-              <a:rPr lang="en-GB" sz="41500" u="sng" dirty="0">
+              <a:rPr lang="en-GB" sz="59600" u="sng" dirty="0">
                 <a:solidFill>
-                  <a:schemeClr val="bg1"/>
+                  <a:srgbClr val="FFFFFF"/>
                 </a:solidFill>
                 <a:latin typeface="Futura New Bold" panose="020B0902020204020203" pitchFamily="34" charset="0"/>
               </a:rPr>
               <a:t>Camera(s)</a:t>
             </a:r>
+            <a:endParaRPr lang="en-GB" sz="59600" dirty="0"/>
           </a:p>
         </p:txBody>
       </p:sp>
@@ -7554,10 +7372,10 @@
       </p:grpSpPr>
       <p:sp>
         <p:nvSpPr>
-          <p:cNvPr id="2" name="TextBox 1">
+          <p:cNvPr id="3" name="TextBox 2">
             <a:extLst>
               <a:ext uri="{FF2B5EF4-FFF2-40B4-BE49-F238E27FC236}">
-                <a16:creationId xmlns:a16="http://schemas.microsoft.com/office/drawing/2014/main" id="{65881C29-D269-4979-99B4-CFAC867C5DB4}"/>
+                <a16:creationId xmlns:a16="http://schemas.microsoft.com/office/drawing/2014/main" id="{9B2C337A-A8D0-4ECA-940D-4BB2454D6280}"/>
               </a:ext>
             </a:extLst>
           </p:cNvPr>
@@ -7566,8 +7384,8 @@
         </p:nvSpPr>
         <p:spPr>
           <a:xfrm>
-            <a:off x="3600000" y="3600000"/>
-            <a:ext cx="39599500" cy="12849671"/>
+            <a:off x="0" y="0"/>
+            <a:ext cx="46799500" cy="15404217"/>
           </a:xfrm>
           <a:prstGeom prst="rect">
             <a:avLst/>
@@ -7581,7 +7399,7 @@
           <a:lstStyle/>
           <a:p>
             <a:r>
-              <a:rPr lang="en-GB" sz="82900" u="sng" dirty="0">
+              <a:rPr lang="en-GB" sz="99500" u="sng" dirty="0">
                 <a:solidFill>
                   <a:schemeClr val="bg1"/>
                 </a:solidFill>
@@ -7624,10 +7442,10 @@
       </p:grpSpPr>
       <p:sp>
         <p:nvSpPr>
-          <p:cNvPr id="2" name="TextBox 1">
+          <p:cNvPr id="3" name="TextBox 2">
             <a:extLst>
               <a:ext uri="{FF2B5EF4-FFF2-40B4-BE49-F238E27FC236}">
-                <a16:creationId xmlns:a16="http://schemas.microsoft.com/office/drawing/2014/main" id="{65881C29-D269-4979-99B4-CFAC867C5DB4}"/>
+                <a16:creationId xmlns:a16="http://schemas.microsoft.com/office/drawing/2014/main" id="{34181996-D329-4192-B0AD-C2A743CD03CA}"/>
               </a:ext>
             </a:extLst>
           </p:cNvPr>
@@ -7636,8 +7454,8 @@
         </p:nvSpPr>
         <p:spPr>
           <a:xfrm>
-            <a:off x="3600000" y="3600000"/>
-            <a:ext cx="39599500" cy="12849671"/>
+            <a:off x="0" y="0"/>
+            <a:ext cx="46799500" cy="15404217"/>
           </a:xfrm>
           <a:prstGeom prst="rect">
             <a:avLst/>
@@ -7651,7 +7469,7 @@
           <a:lstStyle/>
           <a:p>
             <a:r>
-              <a:rPr lang="en-GB" sz="82900" u="sng" dirty="0">
+              <a:rPr lang="en-GB" sz="99500" u="sng" dirty="0">
                 <a:solidFill>
                   <a:schemeClr val="bg1"/>
                 </a:solidFill>
@@ -7694,10 +7512,10 @@
       </p:grpSpPr>
       <p:sp>
         <p:nvSpPr>
-          <p:cNvPr id="2" name="TextBox 1">
+          <p:cNvPr id="3" name="TextBox 2">
             <a:extLst>
               <a:ext uri="{FF2B5EF4-FFF2-40B4-BE49-F238E27FC236}">
-                <a16:creationId xmlns:a16="http://schemas.microsoft.com/office/drawing/2014/main" id="{65881C29-D269-4979-99B4-CFAC867C5DB4}"/>
+                <a16:creationId xmlns:a16="http://schemas.microsoft.com/office/drawing/2014/main" id="{89455395-F35F-4076-B91E-F2EB13AFF3C1}"/>
               </a:ext>
             </a:extLst>
           </p:cNvPr>
@@ -7706,8 +7524,8 @@
         </p:nvSpPr>
         <p:spPr>
           <a:xfrm>
-            <a:off x="3600000" y="3600000"/>
-            <a:ext cx="39599500" cy="12849671"/>
+            <a:off x="0" y="0"/>
+            <a:ext cx="46799500" cy="15404217"/>
           </a:xfrm>
           <a:prstGeom prst="rect">
             <a:avLst/>
@@ -7721,7 +7539,7 @@
           <a:lstStyle/>
           <a:p>
             <a:r>
-              <a:rPr lang="en-GB" sz="82900" u="sng" dirty="0">
+              <a:rPr lang="en-GB" sz="99500" u="sng" dirty="0">
                 <a:solidFill>
                   <a:schemeClr val="bg1"/>
                 </a:solidFill>
@@ -7764,10 +7582,10 @@
       </p:grpSpPr>
       <p:sp>
         <p:nvSpPr>
-          <p:cNvPr id="2" name="TextBox 1">
+          <p:cNvPr id="3" name="TextBox 2">
             <a:extLst>
               <a:ext uri="{FF2B5EF4-FFF2-40B4-BE49-F238E27FC236}">
-                <a16:creationId xmlns:a16="http://schemas.microsoft.com/office/drawing/2014/main" id="{65881C29-D269-4979-99B4-CFAC867C5DB4}"/>
+                <a16:creationId xmlns:a16="http://schemas.microsoft.com/office/drawing/2014/main" id="{9A0C8E3F-B223-430F-9661-B1FD99555140}"/>
               </a:ext>
             </a:extLst>
           </p:cNvPr>
@@ -7776,8 +7594,8 @@
         </p:nvSpPr>
         <p:spPr>
           <a:xfrm>
-            <a:off x="3600000" y="3600000"/>
-            <a:ext cx="39599500" cy="12865060"/>
+            <a:off x="0" y="0"/>
+            <a:ext cx="46799500" cy="9264075"/>
           </a:xfrm>
           <a:prstGeom prst="rect">
             <a:avLst/>
@@ -7791,25 +7609,15 @@
           <a:lstStyle/>
           <a:p>
             <a:r>
-              <a:rPr lang="en-GB" sz="41500" u="sng" dirty="0">
+              <a:rPr lang="en-GB" sz="59600" u="sng" dirty="0">
                 <a:solidFill>
-                  <a:schemeClr val="bg1"/>
+                  <a:srgbClr val="FFFFFF"/>
                 </a:solidFill>
                 <a:latin typeface="Futura New Bold" panose="020B0902020204020203" pitchFamily="34" charset="0"/>
               </a:rPr>
-              <a:t>Red </a:t>
+              <a:t>RED GAIN</a:t>
             </a:r>
-          </a:p>
-          <a:p>
-            <a:r>
-              <a:rPr lang="en-GB" sz="41500" u="sng" dirty="0">
-                <a:solidFill>
-                  <a:schemeClr val="bg1"/>
-                </a:solidFill>
-                <a:latin typeface="Futura New Bold" panose="020B0902020204020203" pitchFamily="34" charset="0"/>
-              </a:rPr>
-              <a:t>gain</a:t>
-            </a:r>
+            <a:endParaRPr lang="en-GB" sz="59600" dirty="0"/>
           </a:p>
         </p:txBody>
       </p:sp>
@@ -7845,10 +7653,10 @@
       </p:grpSpPr>
       <p:sp>
         <p:nvSpPr>
-          <p:cNvPr id="2" name="TextBox 1">
+          <p:cNvPr id="3" name="TextBox 2">
             <a:extLst>
               <a:ext uri="{FF2B5EF4-FFF2-40B4-BE49-F238E27FC236}">
-                <a16:creationId xmlns:a16="http://schemas.microsoft.com/office/drawing/2014/main" id="{65881C29-D269-4979-99B4-CFAC867C5DB4}"/>
+                <a16:creationId xmlns:a16="http://schemas.microsoft.com/office/drawing/2014/main" id="{1F9D5ED9-12D3-46AE-97D3-B6D7A1D82A1E}"/>
               </a:ext>
             </a:extLst>
           </p:cNvPr>
@@ -7857,8 +7665,8 @@
         </p:nvSpPr>
         <p:spPr>
           <a:xfrm>
-            <a:off x="3600000" y="3600000"/>
-            <a:ext cx="39599500" cy="12865060"/>
+            <a:off x="0" y="0"/>
+            <a:ext cx="46799500" cy="9264075"/>
           </a:xfrm>
           <a:prstGeom prst="rect">
             <a:avLst/>
@@ -7872,25 +7680,15 @@
           <a:lstStyle/>
           <a:p>
             <a:r>
-              <a:rPr lang="en-GB" sz="41500" u="sng" dirty="0">
+              <a:rPr lang="en-GB" sz="59600" u="sng" dirty="0">
                 <a:solidFill>
-                  <a:schemeClr val="bg1"/>
+                  <a:srgbClr val="FFFFFF"/>
                 </a:solidFill>
                 <a:latin typeface="Futura New Bold" panose="020B0902020204020203" pitchFamily="34" charset="0"/>
               </a:rPr>
-              <a:t>Blue </a:t>
+              <a:t>BLUE GAIN</a:t>
             </a:r>
-          </a:p>
-          <a:p>
-            <a:r>
-              <a:rPr lang="en-GB" sz="41500" u="sng" dirty="0">
-                <a:solidFill>
-                  <a:schemeClr val="bg1"/>
-                </a:solidFill>
-                <a:latin typeface="Futura New Bold" panose="020B0902020204020203" pitchFamily="34" charset="0"/>
-              </a:rPr>
-              <a:t>gain</a:t>
-            </a:r>
+            <a:endParaRPr lang="en-GB" sz="59600" dirty="0"/>
           </a:p>
         </p:txBody>
       </p:sp>
@@ -8347,18 +8145,18 @@
 </file>
 
 <file path=customXml/item2.xml><?xml version="1.0" encoding="utf-8"?>
-<p:properties xmlns:p="http://schemas.microsoft.com/office/2006/metadata/properties" xmlns:xsi="http://www.w3.org/2001/XMLSchema-instance" xmlns:pc="http://schemas.microsoft.com/office/infopath/2007/PartnerControls">
-  <documentManagement/>
-</p:properties>
-</file>
-
-<file path=customXml/item3.xml><?xml version="1.0" encoding="utf-8"?>
 <?mso-contentType ?>
 <FormTemplates xmlns="http://schemas.microsoft.com/sharepoint/v3/contenttype/forms">
   <Display>DocumentLibraryForm</Display>
   <Edit>DocumentLibraryForm</Edit>
   <New>DocumentLibraryForm</New>
 </FormTemplates>
+</file>
+
+<file path=customXml/item3.xml><?xml version="1.0" encoding="utf-8"?>
+<p:properties xmlns:p="http://schemas.microsoft.com/office/2006/metadata/properties" xmlns:xsi="http://www.w3.org/2001/XMLSchema-instance" xmlns:pc="http://schemas.microsoft.com/office/infopath/2007/PartnerControls">
+  <documentManagement/>
+</p:properties>
 </file>
 
 <file path=customXml/itemProps1.xml><?xml version="1.0" encoding="utf-8"?>
@@ -8380,18 +8178,18 @@
 </file>
 
 <file path=customXml/itemProps2.xml><?xml version="1.0" encoding="utf-8"?>
+<ds:datastoreItem xmlns:ds="http://schemas.openxmlformats.org/officeDocument/2006/customXml" ds:itemID="{3AAD6433-F0FD-4D4E-8667-5F6FE899708B}">
+  <ds:schemaRefs>
+    <ds:schemaRef ds:uri="http://schemas.microsoft.com/sharepoint/v3/contenttype/forms"/>
+  </ds:schemaRefs>
+</ds:datastoreItem>
+</file>
+
+<file path=customXml/itemProps3.xml><?xml version="1.0" encoding="utf-8"?>
 <ds:datastoreItem xmlns:ds="http://schemas.openxmlformats.org/officeDocument/2006/customXml" ds:itemID="{135E9EDB-E06E-4E56-8BCC-DE9DFA790FD7}">
   <ds:schemaRefs>
     <ds:schemaRef ds:uri="http://schemas.microsoft.com/office/2006/metadata/properties"/>
     <ds:schemaRef ds:uri="http://schemas.microsoft.com/office/infopath/2007/PartnerControls"/>
   </ds:schemaRefs>
 </ds:datastoreItem>
-</file>
-
-<file path=customXml/itemProps3.xml><?xml version="1.0" encoding="utf-8"?>
-<ds:datastoreItem xmlns:ds="http://schemas.openxmlformats.org/officeDocument/2006/customXml" ds:itemID="{3AAD6433-F0FD-4D4E-8667-5F6FE899708B}">
-  <ds:schemaRefs>
-    <ds:schemaRef ds:uri="http://schemas.microsoft.com/sharepoint/v3/contenttype/forms"/>
-  </ds:schemaRefs>
-</ds:datastoreItem>
 </file>